--- a/Level 0/STL.pptx
+++ b/Level 0/STL.pptx
@@ -326,7 +326,7 @@
           <a:p>
             <a:fld id="{EED35E4C-F3CB-448E-AAC2-A8FDBC6E8200}" type="datetimeFigureOut">
               <a:rPr lang="en-US" smtClean="0"/>
-              <a:t>9/19/2023</a:t>
+              <a:t>9/20/2023</a:t>
             </a:fld>
             <a:endParaRPr lang="en-US"/>
           </a:p>
@@ -504,7 +504,7 @@
           <a:p>
             <a:fld id="{91770BF1-AEE4-480A-9D6B-93722DA4C316}" type="datetimeFigureOut">
               <a:rPr lang="en-US" smtClean="0"/>
-              <a:t>9/19/2023</a:t>
+              <a:t>9/20/2023</a:t>
             </a:fld>
             <a:endParaRPr lang="en-US"/>
           </a:p>
